--- a/scripts/static/downloads/hi_summary.pptx
+++ b/scripts/static/downloads/hi_summary.pptx
@@ -3103,24 +3103,28 @@
         <p:txBody>
           <a:bodyPr/>
           <a:lstStyle/>
+          <a:p>
+            <a:r>
+              <a:t>Abstract</a:t>
+            </a:r>
+          </a:p>
+        </p:txBody>
+      </p:sp>
+      <p:sp>
+        <p:nvSpPr>
+          <p:cNvPr id="3" name="Content Placeholder 2"/>
+          <p:cNvSpPr>
+            <a:spLocks noGrp="1"/>
+          </p:cNvSpPr>
+          <p:nvPr>
+            <p:ph idx="1"/>
+          </p:nvPr>
+        </p:nvSpPr>
+        <p:spPr/>
+        <p:txBody>
+          <a:bodyPr/>
+          <a:lstStyle/>
           <a:p/>
-        </p:txBody>
-      </p:sp>
-      <p:sp>
-        <p:nvSpPr>
-          <p:cNvPr id="3" name="Content Placeholder 2"/>
-          <p:cNvSpPr>
-            <a:spLocks noGrp="1"/>
-          </p:cNvSpPr>
-          <p:nvPr>
-            <p:ph idx="1"/>
-          </p:nvPr>
-        </p:nvSpPr>
-        <p:spPr/>
-        <p:txBody>
-          <a:bodyPr/>
-          <a:lstStyle/>
-          <a:p/>
           <a:p>
             <a:pPr/>
             <a:r>
@@ -3136,7 +3140,7 @@
           <a:p>
             <a:pPr/>
             <a:r>
-              <a:t>  </a:t>
+              <a:t> </a:t>
             </a:r>
             <a:br/>
             <a:r>
@@ -3147,7 +3151,7 @@
       </p:sp>
       <p:pic>
         <p:nvPicPr>
-          <p:cNvPr id="4" name="voiceover.mp3">
+          <p:cNvPr id="4" name="voiceover_0.mp3">
             <a:hlinkClick r:id="" action="ppaction://media"/>
           </p:cNvPr>
           <p:cNvPicPr>
@@ -3259,14 +3263,14 @@
           <a:p>
             <a:pPr/>
             <a:r>
-              <a:t>  A complete user friendly web interface is created for easy use of all the features and hassle free learning and customization based on the user's preferences.</a:t>
+              <a:t>  A complete user friendly web interface shall be created for easy use of all the features and hassle free learning and customization based on the user's preferences.</a:t>
             </a:r>
           </a:p>
         </p:txBody>
       </p:sp>
       <p:pic>
         <p:nvPicPr>
-          <p:cNvPr id="4" name="voiceover.mp3">
+          <p:cNvPr id="4" name="voiceover_3.mp3">
             <a:hlinkClick r:id="" action="ppaction://media"/>
           </p:cNvPr>
           <p:cNvPicPr>
